--- a/References/Citations.pptx
+++ b/References/Citations.pptx
@@ -5,13 +5,14 @@
     <p:sldMasterId id="2147483648" r:id="rId1"/>
   </p:sldMasterIdLst>
   <p:notesMasterIdLst>
-    <p:notesMasterId r:id="rId6"/>
+    <p:notesMasterId r:id="rId7"/>
   </p:notesMasterIdLst>
   <p:sldIdLst>
     <p:sldId id="256" r:id="rId2"/>
     <p:sldId id="261" r:id="rId3"/>
     <p:sldId id="262" r:id="rId4"/>
     <p:sldId id="263" r:id="rId5"/>
+    <p:sldId id="265" r:id="rId6"/>
   </p:sldIdLst>
   <p:sldSz cx="12192000" cy="6858000"/>
   <p:notesSz cx="6858000" cy="9144000"/>
@@ -200,7 +201,7 @@
           <a:p>
             <a:fld id="{57761CDF-3384-9345-9468-E5E9BA31D914}" type="datetimeFigureOut">
               <a:rPr lang="en-US" smtClean="0"/>
-              <a:t>1/3/21</a:t>
+              <a:t>1/4/21</a:t>
             </a:fld>
             <a:endParaRPr lang="en-US"/>
           </a:p>
@@ -701,7 +702,7 @@
           <a:p>
             <a:fld id="{3B8F54CA-E558-2441-AA20-14A5C58A3BFD}" type="datetimeFigureOut">
               <a:rPr lang="en-US" smtClean="0"/>
-              <a:t>1/3/21</a:t>
+              <a:t>1/4/21</a:t>
             </a:fld>
             <a:endParaRPr lang="en-US"/>
           </a:p>
@@ -901,7 +902,7 @@
           <a:p>
             <a:fld id="{3B8F54CA-E558-2441-AA20-14A5C58A3BFD}" type="datetimeFigureOut">
               <a:rPr lang="en-US" smtClean="0"/>
-              <a:t>1/3/21</a:t>
+              <a:t>1/4/21</a:t>
             </a:fld>
             <a:endParaRPr lang="en-US"/>
           </a:p>
@@ -1111,7 +1112,7 @@
           <a:p>
             <a:fld id="{3B8F54CA-E558-2441-AA20-14A5C58A3BFD}" type="datetimeFigureOut">
               <a:rPr lang="en-US" smtClean="0"/>
-              <a:t>1/3/21</a:t>
+              <a:t>1/4/21</a:t>
             </a:fld>
             <a:endParaRPr lang="en-US"/>
           </a:p>
@@ -1311,7 +1312,7 @@
           <a:p>
             <a:fld id="{3B8F54CA-E558-2441-AA20-14A5C58A3BFD}" type="datetimeFigureOut">
               <a:rPr lang="en-US" smtClean="0"/>
-              <a:t>1/3/21</a:t>
+              <a:t>1/4/21</a:t>
             </a:fld>
             <a:endParaRPr lang="en-US"/>
           </a:p>
@@ -1587,7 +1588,7 @@
           <a:p>
             <a:fld id="{3B8F54CA-E558-2441-AA20-14A5C58A3BFD}" type="datetimeFigureOut">
               <a:rPr lang="en-US" smtClean="0"/>
-              <a:t>1/3/21</a:t>
+              <a:t>1/4/21</a:t>
             </a:fld>
             <a:endParaRPr lang="en-US"/>
           </a:p>
@@ -1855,7 +1856,7 @@
           <a:p>
             <a:fld id="{3B8F54CA-E558-2441-AA20-14A5C58A3BFD}" type="datetimeFigureOut">
               <a:rPr lang="en-US" smtClean="0"/>
-              <a:t>1/3/21</a:t>
+              <a:t>1/4/21</a:t>
             </a:fld>
             <a:endParaRPr lang="en-US"/>
           </a:p>
@@ -2270,7 +2271,7 @@
           <a:p>
             <a:fld id="{3B8F54CA-E558-2441-AA20-14A5C58A3BFD}" type="datetimeFigureOut">
               <a:rPr lang="en-US" smtClean="0"/>
-              <a:t>1/3/21</a:t>
+              <a:t>1/4/21</a:t>
             </a:fld>
             <a:endParaRPr lang="en-US"/>
           </a:p>
@@ -2412,7 +2413,7 @@
           <a:p>
             <a:fld id="{3B8F54CA-E558-2441-AA20-14A5C58A3BFD}" type="datetimeFigureOut">
               <a:rPr lang="en-US" smtClean="0"/>
-              <a:t>1/3/21</a:t>
+              <a:t>1/4/21</a:t>
             </a:fld>
             <a:endParaRPr lang="en-US"/>
           </a:p>
@@ -2525,7 +2526,7 @@
           <a:p>
             <a:fld id="{3B8F54CA-E558-2441-AA20-14A5C58A3BFD}" type="datetimeFigureOut">
               <a:rPr lang="en-US" smtClean="0"/>
-              <a:t>1/3/21</a:t>
+              <a:t>1/4/21</a:t>
             </a:fld>
             <a:endParaRPr lang="en-US"/>
           </a:p>
@@ -2838,7 +2839,7 @@
           <a:p>
             <a:fld id="{3B8F54CA-E558-2441-AA20-14A5C58A3BFD}" type="datetimeFigureOut">
               <a:rPr lang="en-US" smtClean="0"/>
-              <a:t>1/3/21</a:t>
+              <a:t>1/4/21</a:t>
             </a:fld>
             <a:endParaRPr lang="en-US"/>
           </a:p>
@@ -3127,7 +3128,7 @@
           <a:p>
             <a:fld id="{3B8F54CA-E558-2441-AA20-14A5C58A3BFD}" type="datetimeFigureOut">
               <a:rPr lang="en-US" smtClean="0"/>
-              <a:t>1/3/21</a:t>
+              <a:t>1/4/21</a:t>
             </a:fld>
             <a:endParaRPr lang="en-US"/>
           </a:p>
@@ -3370,7 +3371,7 @@
           <a:p>
             <a:fld id="{3B8F54CA-E558-2441-AA20-14A5C58A3BFD}" type="datetimeFigureOut">
               <a:rPr lang="en-US" smtClean="0"/>
-              <a:t>1/3/21</a:t>
+              <a:t>1/4/21</a:t>
             </a:fld>
             <a:endParaRPr lang="en-US"/>
           </a:p>
@@ -9079,6 +9080,891 @@
     <p:extLst>
       <p:ext uri="{BB962C8B-B14F-4D97-AF65-F5344CB8AC3E}">
         <p14:creationId xmlns:p14="http://schemas.microsoft.com/office/powerpoint/2010/main" val="1234242025"/>
+      </p:ext>
+    </p:extLst>
+  </p:cSld>
+  <p:clrMapOvr>
+    <a:masterClrMapping/>
+  </p:clrMapOvr>
+</p:sld>
+</file>
+
+<file path=ppt/slides/slide5.xml><?xml version="1.0" encoding="utf-8"?>
+<p:sld xmlns:a="http://schemas.openxmlformats.org/drawingml/2006/main" xmlns:r="http://schemas.openxmlformats.org/officeDocument/2006/relationships" xmlns:p="http://schemas.openxmlformats.org/presentationml/2006/main">
+  <p:cSld>
+    <p:spTree>
+      <p:nvGrpSpPr>
+        <p:cNvPr id="1" name=""/>
+        <p:cNvGrpSpPr/>
+        <p:nvPr/>
+      </p:nvGrpSpPr>
+      <p:grpSpPr>
+        <a:xfrm>
+          <a:off x="0" y="0"/>
+          <a:ext cx="0" cy="0"/>
+          <a:chOff x="0" y="0"/>
+          <a:chExt cx="0" cy="0"/>
+        </a:xfrm>
+      </p:grpSpPr>
+      <p:sp>
+        <p:nvSpPr>
+          <p:cNvPr id="4" name="TextBox 3">
+            <a:extLst>
+              <a:ext uri="{FF2B5EF4-FFF2-40B4-BE49-F238E27FC236}">
+                <a16:creationId xmlns:a16="http://schemas.microsoft.com/office/drawing/2014/main" id="{18F9F643-2646-FA4A-88D3-C05CCF299CD7}"/>
+              </a:ext>
+            </a:extLst>
+          </p:cNvPr>
+          <p:cNvSpPr txBox="1"/>
+          <p:nvPr/>
+        </p:nvSpPr>
+        <p:spPr>
+          <a:xfrm>
+            <a:off x="643878" y="466183"/>
+            <a:ext cx="2485698" cy="261610"/>
+          </a:xfrm>
+          <a:prstGeom prst="rect">
+            <a:avLst/>
+          </a:prstGeom>
+          <a:noFill/>
+        </p:spPr>
+        <p:txBody>
+          <a:bodyPr wrap="square" rtlCol="0">
+            <a:spAutoFit/>
+          </a:bodyPr>
+          <a:lstStyle/>
+          <a:p>
+            <a:pPr algn="ctr"/>
+            <a:r>
+              <a:rPr lang="en-GB" sz="1100" dirty="0">
+                <a:hlinkClick r:id="rId2"/>
+              </a:rPr>
+              <a:t>Qian et al. (2020)</a:t>
+            </a:r>
+            <a:endParaRPr lang="en-GB" sz="1100" dirty="0"/>
+          </a:p>
+        </p:txBody>
+      </p:sp>
+      <p:pic>
+        <p:nvPicPr>
+          <p:cNvPr id="6" name="Picture 5">
+            <a:extLst>
+              <a:ext uri="{FF2B5EF4-FFF2-40B4-BE49-F238E27FC236}">
+                <a16:creationId xmlns:a16="http://schemas.microsoft.com/office/drawing/2014/main" id="{BAB8DFDC-8B65-7B44-8B68-D8E15A2F1F32}"/>
+              </a:ext>
+            </a:extLst>
+          </p:cNvPr>
+          <p:cNvPicPr>
+            <a:picLocks noChangeAspect="1"/>
+          </p:cNvPicPr>
+          <p:nvPr/>
+        </p:nvPicPr>
+        <p:blipFill>
+          <a:blip r:embed="rId3"/>
+          <a:stretch>
+            <a:fillRect/>
+          </a:stretch>
+        </p:blipFill>
+        <p:spPr>
+          <a:xfrm>
+            <a:off x="3017272" y="957385"/>
+            <a:ext cx="4178300" cy="393700"/>
+          </a:xfrm>
+          <a:prstGeom prst="rect">
+            <a:avLst/>
+          </a:prstGeom>
+        </p:spPr>
+      </p:pic>
+      <p:pic>
+        <p:nvPicPr>
+          <p:cNvPr id="8" name="Picture 7" descr="A picture containing text, clipart&#10;&#10;Description automatically generated">
+            <a:extLst>
+              <a:ext uri="{FF2B5EF4-FFF2-40B4-BE49-F238E27FC236}">
+                <a16:creationId xmlns:a16="http://schemas.microsoft.com/office/drawing/2014/main" id="{89330E30-F47A-A349-B224-496A248DCBC1}"/>
+              </a:ext>
+            </a:extLst>
+          </p:cNvPr>
+          <p:cNvPicPr>
+            <a:picLocks noChangeAspect="1"/>
+          </p:cNvPicPr>
+          <p:nvPr/>
+        </p:nvPicPr>
+        <p:blipFill>
+          <a:blip r:embed="rId4"/>
+          <a:stretch>
+            <a:fillRect/>
+          </a:stretch>
+        </p:blipFill>
+        <p:spPr>
+          <a:xfrm>
+            <a:off x="813695" y="958193"/>
+            <a:ext cx="1828800" cy="368300"/>
+          </a:xfrm>
+          <a:prstGeom prst="rect">
+            <a:avLst/>
+          </a:prstGeom>
+        </p:spPr>
+      </p:pic>
+      <p:pic>
+        <p:nvPicPr>
+          <p:cNvPr id="10" name="Picture 9" descr="Text&#10;&#10;Description automatically generated with medium confidence">
+            <a:extLst>
+              <a:ext uri="{FF2B5EF4-FFF2-40B4-BE49-F238E27FC236}">
+                <a16:creationId xmlns:a16="http://schemas.microsoft.com/office/drawing/2014/main" id="{B344C3B7-E071-7746-A176-10A6CD03C408}"/>
+              </a:ext>
+            </a:extLst>
+          </p:cNvPr>
+          <p:cNvPicPr>
+            <a:picLocks noChangeAspect="1"/>
+          </p:cNvPicPr>
+          <p:nvPr/>
+        </p:nvPicPr>
+        <p:blipFill>
+          <a:blip r:embed="rId5"/>
+          <a:stretch>
+            <a:fillRect/>
+          </a:stretch>
+        </p:blipFill>
+        <p:spPr>
+          <a:xfrm>
+            <a:off x="2801127" y="4662582"/>
+            <a:ext cx="2870200" cy="406400"/>
+          </a:xfrm>
+          <a:prstGeom prst="rect">
+            <a:avLst/>
+          </a:prstGeom>
+        </p:spPr>
+      </p:pic>
+      <p:pic>
+        <p:nvPicPr>
+          <p:cNvPr id="12" name="Picture 11" descr="Text&#10;&#10;Description automatically generated with low confidence">
+            <a:extLst>
+              <a:ext uri="{FF2B5EF4-FFF2-40B4-BE49-F238E27FC236}">
+                <a16:creationId xmlns:a16="http://schemas.microsoft.com/office/drawing/2014/main" id="{110FA27C-ECB6-1F49-9A6D-03C686095CE0}"/>
+              </a:ext>
+            </a:extLst>
+          </p:cNvPr>
+          <p:cNvPicPr>
+            <a:picLocks noChangeAspect="1"/>
+          </p:cNvPicPr>
+          <p:nvPr/>
+        </p:nvPicPr>
+        <p:blipFill>
+          <a:blip r:embed="rId6"/>
+          <a:stretch>
+            <a:fillRect/>
+          </a:stretch>
+        </p:blipFill>
+        <p:spPr>
+          <a:xfrm>
+            <a:off x="2934293" y="1532474"/>
+            <a:ext cx="1879600" cy="355600"/>
+          </a:xfrm>
+          <a:prstGeom prst="rect">
+            <a:avLst/>
+          </a:prstGeom>
+        </p:spPr>
+      </p:pic>
+      <p:pic>
+        <p:nvPicPr>
+          <p:cNvPr id="14" name="Picture 13" descr="A white background with black text&#10;&#10;Description automatically generated with medium confidence">
+            <a:extLst>
+              <a:ext uri="{FF2B5EF4-FFF2-40B4-BE49-F238E27FC236}">
+                <a16:creationId xmlns:a16="http://schemas.microsoft.com/office/drawing/2014/main" id="{1D44094D-5BAE-214B-B5F0-CC1176196B62}"/>
+              </a:ext>
+            </a:extLst>
+          </p:cNvPr>
+          <p:cNvPicPr>
+            <a:picLocks noChangeAspect="1"/>
+          </p:cNvPicPr>
+          <p:nvPr/>
+        </p:nvPicPr>
+        <p:blipFill>
+          <a:blip r:embed="rId7"/>
+          <a:stretch>
+            <a:fillRect/>
+          </a:stretch>
+        </p:blipFill>
+        <p:spPr>
+          <a:xfrm>
+            <a:off x="813695" y="4677234"/>
+            <a:ext cx="1828800" cy="444500"/>
+          </a:xfrm>
+          <a:prstGeom prst="rect">
+            <a:avLst/>
+          </a:prstGeom>
+        </p:spPr>
+      </p:pic>
+      <p:pic>
+        <p:nvPicPr>
+          <p:cNvPr id="16" name="Picture 15" descr="A picture containing graphical user interface&#10;&#10;Description automatically generated">
+            <a:extLst>
+              <a:ext uri="{FF2B5EF4-FFF2-40B4-BE49-F238E27FC236}">
+                <a16:creationId xmlns:a16="http://schemas.microsoft.com/office/drawing/2014/main" id="{AC9B5860-D8FE-7F4C-8FC5-AAB1C74AAF6E}"/>
+              </a:ext>
+            </a:extLst>
+          </p:cNvPr>
+          <p:cNvPicPr>
+            <a:picLocks noChangeAspect="1"/>
+          </p:cNvPicPr>
+          <p:nvPr/>
+        </p:nvPicPr>
+        <p:blipFill>
+          <a:blip r:embed="rId8"/>
+          <a:stretch>
+            <a:fillRect/>
+          </a:stretch>
+        </p:blipFill>
+        <p:spPr>
+          <a:xfrm>
+            <a:off x="5259730" y="1989184"/>
+            <a:ext cx="1524000" cy="317500"/>
+          </a:xfrm>
+          <a:prstGeom prst="rect">
+            <a:avLst/>
+          </a:prstGeom>
+        </p:spPr>
+      </p:pic>
+      <p:pic>
+        <p:nvPicPr>
+          <p:cNvPr id="18" name="Picture 17" descr="A picture containing text&#10;&#10;Description automatically generated">
+            <a:extLst>
+              <a:ext uri="{FF2B5EF4-FFF2-40B4-BE49-F238E27FC236}">
+                <a16:creationId xmlns:a16="http://schemas.microsoft.com/office/drawing/2014/main" id="{CA021341-F3A3-6B4E-81F3-BC3B54C777BC}"/>
+              </a:ext>
+            </a:extLst>
+          </p:cNvPr>
+          <p:cNvPicPr>
+            <a:picLocks noChangeAspect="1"/>
+          </p:cNvPicPr>
+          <p:nvPr/>
+        </p:nvPicPr>
+        <p:blipFill>
+          <a:blip r:embed="rId9"/>
+          <a:stretch>
+            <a:fillRect/>
+          </a:stretch>
+        </p:blipFill>
+        <p:spPr>
+          <a:xfrm>
+            <a:off x="4236227" y="3933440"/>
+            <a:ext cx="3022600" cy="431800"/>
+          </a:xfrm>
+          <a:prstGeom prst="rect">
+            <a:avLst/>
+          </a:prstGeom>
+        </p:spPr>
+      </p:pic>
+      <p:pic>
+        <p:nvPicPr>
+          <p:cNvPr id="20" name="Picture 19">
+            <a:extLst>
+              <a:ext uri="{FF2B5EF4-FFF2-40B4-BE49-F238E27FC236}">
+                <a16:creationId xmlns:a16="http://schemas.microsoft.com/office/drawing/2014/main" id="{41122BF5-FB61-B246-84F6-77FEC44B9AAB}"/>
+              </a:ext>
+            </a:extLst>
+          </p:cNvPr>
+          <p:cNvPicPr>
+            <a:picLocks noChangeAspect="1"/>
+          </p:cNvPicPr>
+          <p:nvPr/>
+        </p:nvPicPr>
+        <p:blipFill rotWithShape="1">
+          <a:blip r:embed="rId10"/>
+          <a:srcRect l="70281"/>
+          <a:stretch/>
+        </p:blipFill>
+        <p:spPr>
+          <a:xfrm>
+            <a:off x="8033411" y="2743642"/>
+            <a:ext cx="1828437" cy="472546"/>
+          </a:xfrm>
+          <a:prstGeom prst="rect">
+            <a:avLst/>
+          </a:prstGeom>
+        </p:spPr>
+      </p:pic>
+      <p:pic>
+        <p:nvPicPr>
+          <p:cNvPr id="22" name="Picture 21" descr="A picture containing text, clock, gauge&#10;&#10;Description automatically generated">
+            <a:extLst>
+              <a:ext uri="{FF2B5EF4-FFF2-40B4-BE49-F238E27FC236}">
+                <a16:creationId xmlns:a16="http://schemas.microsoft.com/office/drawing/2014/main" id="{B0258482-A18D-1B4C-BB35-BD516A40BF2E}"/>
+              </a:ext>
+            </a:extLst>
+          </p:cNvPr>
+          <p:cNvPicPr>
+            <a:picLocks noChangeAspect="1"/>
+          </p:cNvPicPr>
+          <p:nvPr/>
+        </p:nvPicPr>
+        <p:blipFill>
+          <a:blip r:embed="rId11"/>
+          <a:stretch>
+            <a:fillRect/>
+          </a:stretch>
+        </p:blipFill>
+        <p:spPr>
+          <a:xfrm>
+            <a:off x="540527" y="3212770"/>
+            <a:ext cx="2692400" cy="685800"/>
+          </a:xfrm>
+          <a:prstGeom prst="rect">
+            <a:avLst/>
+          </a:prstGeom>
+        </p:spPr>
+      </p:pic>
+      <p:pic>
+        <p:nvPicPr>
+          <p:cNvPr id="24" name="Picture 23" descr="Diagram&#10;&#10;Description automatically generated with low confidence">
+            <a:extLst>
+              <a:ext uri="{FF2B5EF4-FFF2-40B4-BE49-F238E27FC236}">
+                <a16:creationId xmlns:a16="http://schemas.microsoft.com/office/drawing/2014/main" id="{7D095E07-0C5B-0E45-88BA-085ECB1EE00D}"/>
+              </a:ext>
+            </a:extLst>
+          </p:cNvPr>
+          <p:cNvPicPr>
+            <a:picLocks noChangeAspect="1"/>
+          </p:cNvPicPr>
+          <p:nvPr/>
+        </p:nvPicPr>
+        <p:blipFill>
+          <a:blip r:embed="rId12"/>
+          <a:stretch>
+            <a:fillRect/>
+          </a:stretch>
+        </p:blipFill>
+        <p:spPr>
+          <a:xfrm>
+            <a:off x="3581993" y="5738648"/>
+            <a:ext cx="584200" cy="368300"/>
+          </a:xfrm>
+          <a:prstGeom prst="rect">
+            <a:avLst/>
+          </a:prstGeom>
+        </p:spPr>
+      </p:pic>
+      <p:pic>
+        <p:nvPicPr>
+          <p:cNvPr id="25" name="Picture 24">
+            <a:extLst>
+              <a:ext uri="{FF2B5EF4-FFF2-40B4-BE49-F238E27FC236}">
+                <a16:creationId xmlns:a16="http://schemas.microsoft.com/office/drawing/2014/main" id="{942B6AA7-5D6E-C04A-8251-7680EA4B9B35}"/>
+              </a:ext>
+            </a:extLst>
+          </p:cNvPr>
+          <p:cNvPicPr>
+            <a:picLocks noChangeAspect="1"/>
+          </p:cNvPicPr>
+          <p:nvPr/>
+        </p:nvPicPr>
+        <p:blipFill rotWithShape="1">
+          <a:blip r:embed="rId10"/>
+          <a:srcRect l="36168" t="1" r="31559" b="1"/>
+          <a:stretch/>
+        </p:blipFill>
+        <p:spPr>
+          <a:xfrm>
+            <a:off x="3548495" y="2739864"/>
+            <a:ext cx="1985554" cy="472546"/>
+          </a:xfrm>
+          <a:prstGeom prst="rect">
+            <a:avLst/>
+          </a:prstGeom>
+        </p:spPr>
+      </p:pic>
+      <p:pic>
+        <p:nvPicPr>
+          <p:cNvPr id="26" name="Picture 25">
+            <a:extLst>
+              <a:ext uri="{FF2B5EF4-FFF2-40B4-BE49-F238E27FC236}">
+                <a16:creationId xmlns:a16="http://schemas.microsoft.com/office/drawing/2014/main" id="{E94C15EC-0D49-7042-94AA-399D61AC3C22}"/>
+              </a:ext>
+            </a:extLst>
+          </p:cNvPr>
+          <p:cNvPicPr>
+            <a:picLocks noChangeAspect="1"/>
+          </p:cNvPicPr>
+          <p:nvPr/>
+        </p:nvPicPr>
+        <p:blipFill rotWithShape="1">
+          <a:blip r:embed="rId10"/>
+          <a:srcRect l="1" t="1" r="66315" b="8623"/>
+          <a:stretch/>
+        </p:blipFill>
+        <p:spPr>
+          <a:xfrm>
+            <a:off x="5747527" y="2766027"/>
+            <a:ext cx="2072406" cy="431800"/>
+          </a:xfrm>
+          <a:prstGeom prst="rect">
+            <a:avLst/>
+          </a:prstGeom>
+        </p:spPr>
+      </p:pic>
+      <p:cxnSp>
+        <p:nvCxnSpPr>
+          <p:cNvPr id="28" name="Straight Arrow Connector 27">
+            <a:extLst>
+              <a:ext uri="{FF2B5EF4-FFF2-40B4-BE49-F238E27FC236}">
+                <a16:creationId xmlns:a16="http://schemas.microsoft.com/office/drawing/2014/main" id="{33EB7CB6-97F4-AC48-B654-709ECCB40B31}"/>
+              </a:ext>
+            </a:extLst>
+          </p:cNvPr>
+          <p:cNvCxnSpPr>
+            <a:stCxn id="6" idx="2"/>
+            <a:endCxn id="12" idx="0"/>
+          </p:cNvCxnSpPr>
+          <p:nvPr/>
+        </p:nvCxnSpPr>
+        <p:spPr>
+          <a:xfrm flipH="1">
+            <a:off x="3874093" y="1351085"/>
+            <a:ext cx="1232329" cy="181389"/>
+          </a:xfrm>
+          <a:prstGeom prst="straightConnector1">
+            <a:avLst/>
+          </a:prstGeom>
+          <a:ln w="38100">
+            <a:tailEnd type="triangle"/>
+          </a:ln>
+        </p:spPr>
+        <p:style>
+          <a:lnRef idx="1">
+            <a:schemeClr val="accent1"/>
+          </a:lnRef>
+          <a:fillRef idx="0">
+            <a:schemeClr val="accent1"/>
+          </a:fillRef>
+          <a:effectRef idx="0">
+            <a:schemeClr val="accent1"/>
+          </a:effectRef>
+          <a:fontRef idx="minor">
+            <a:schemeClr val="tx1"/>
+          </a:fontRef>
+        </p:style>
+      </p:cxnSp>
+      <p:cxnSp>
+        <p:nvCxnSpPr>
+          <p:cNvPr id="29" name="Straight Arrow Connector 28">
+            <a:extLst>
+              <a:ext uri="{FF2B5EF4-FFF2-40B4-BE49-F238E27FC236}">
+                <a16:creationId xmlns:a16="http://schemas.microsoft.com/office/drawing/2014/main" id="{594E5E97-A61F-0E43-89C9-AC400CB54A16}"/>
+              </a:ext>
+            </a:extLst>
+          </p:cNvPr>
+          <p:cNvCxnSpPr>
+            <a:cxnSpLocks/>
+            <a:stCxn id="16" idx="2"/>
+            <a:endCxn id="25" idx="0"/>
+          </p:cNvCxnSpPr>
+          <p:nvPr/>
+        </p:nvCxnSpPr>
+        <p:spPr>
+          <a:xfrm flipH="1">
+            <a:off x="4541272" y="2306684"/>
+            <a:ext cx="1480458" cy="433180"/>
+          </a:xfrm>
+          <a:prstGeom prst="straightConnector1">
+            <a:avLst/>
+          </a:prstGeom>
+          <a:ln w="38100">
+            <a:tailEnd type="triangle"/>
+          </a:ln>
+        </p:spPr>
+        <p:style>
+          <a:lnRef idx="1">
+            <a:schemeClr val="accent1"/>
+          </a:lnRef>
+          <a:fillRef idx="0">
+            <a:schemeClr val="accent1"/>
+          </a:fillRef>
+          <a:effectRef idx="0">
+            <a:schemeClr val="accent1"/>
+          </a:effectRef>
+          <a:fontRef idx="minor">
+            <a:schemeClr val="tx1"/>
+          </a:fontRef>
+        </p:style>
+      </p:cxnSp>
+      <p:cxnSp>
+        <p:nvCxnSpPr>
+          <p:cNvPr id="30" name="Straight Arrow Connector 29">
+            <a:extLst>
+              <a:ext uri="{FF2B5EF4-FFF2-40B4-BE49-F238E27FC236}">
+                <a16:creationId xmlns:a16="http://schemas.microsoft.com/office/drawing/2014/main" id="{976B5572-C1A1-AE4C-BED0-2BF2644E131B}"/>
+              </a:ext>
+            </a:extLst>
+          </p:cNvPr>
+          <p:cNvCxnSpPr>
+            <a:cxnSpLocks/>
+            <a:stCxn id="12" idx="2"/>
+            <a:endCxn id="16" idx="0"/>
+          </p:cNvCxnSpPr>
+          <p:nvPr/>
+        </p:nvCxnSpPr>
+        <p:spPr>
+          <a:xfrm>
+            <a:off x="3874093" y="1888074"/>
+            <a:ext cx="2147637" cy="101110"/>
+          </a:xfrm>
+          <a:prstGeom prst="straightConnector1">
+            <a:avLst/>
+          </a:prstGeom>
+          <a:ln w="38100">
+            <a:tailEnd type="triangle"/>
+          </a:ln>
+        </p:spPr>
+        <p:style>
+          <a:lnRef idx="1">
+            <a:schemeClr val="accent1"/>
+          </a:lnRef>
+          <a:fillRef idx="0">
+            <a:schemeClr val="accent1"/>
+          </a:fillRef>
+          <a:effectRef idx="0">
+            <a:schemeClr val="accent1"/>
+          </a:effectRef>
+          <a:fontRef idx="minor">
+            <a:schemeClr val="tx1"/>
+          </a:fontRef>
+        </p:style>
+      </p:cxnSp>
+      <p:cxnSp>
+        <p:nvCxnSpPr>
+          <p:cNvPr id="34" name="Straight Arrow Connector 33">
+            <a:extLst>
+              <a:ext uri="{FF2B5EF4-FFF2-40B4-BE49-F238E27FC236}">
+                <a16:creationId xmlns:a16="http://schemas.microsoft.com/office/drawing/2014/main" id="{E4093DA3-2AA1-9747-B215-CFDFD00E69F2}"/>
+              </a:ext>
+            </a:extLst>
+          </p:cNvPr>
+          <p:cNvCxnSpPr>
+            <a:cxnSpLocks/>
+            <a:stCxn id="16" idx="2"/>
+            <a:endCxn id="20" idx="0"/>
+          </p:cNvCxnSpPr>
+          <p:nvPr/>
+        </p:nvCxnSpPr>
+        <p:spPr>
+          <a:xfrm>
+            <a:off x="6021730" y="2306684"/>
+            <a:ext cx="2925900" cy="436958"/>
+          </a:xfrm>
+          <a:prstGeom prst="straightConnector1">
+            <a:avLst/>
+          </a:prstGeom>
+          <a:ln w="38100">
+            <a:tailEnd type="triangle"/>
+          </a:ln>
+        </p:spPr>
+        <p:style>
+          <a:lnRef idx="1">
+            <a:schemeClr val="accent1"/>
+          </a:lnRef>
+          <a:fillRef idx="0">
+            <a:schemeClr val="accent1"/>
+          </a:fillRef>
+          <a:effectRef idx="0">
+            <a:schemeClr val="accent1"/>
+          </a:effectRef>
+          <a:fontRef idx="minor">
+            <a:schemeClr val="tx1"/>
+          </a:fontRef>
+        </p:style>
+      </p:cxnSp>
+      <p:cxnSp>
+        <p:nvCxnSpPr>
+          <p:cNvPr id="35" name="Straight Arrow Connector 34">
+            <a:extLst>
+              <a:ext uri="{FF2B5EF4-FFF2-40B4-BE49-F238E27FC236}">
+                <a16:creationId xmlns:a16="http://schemas.microsoft.com/office/drawing/2014/main" id="{4BD64981-59E6-6C49-B9E5-984DFFDF91EC}"/>
+              </a:ext>
+            </a:extLst>
+          </p:cNvPr>
+          <p:cNvCxnSpPr>
+            <a:cxnSpLocks/>
+            <a:stCxn id="16" idx="2"/>
+            <a:endCxn id="26" idx="0"/>
+          </p:cNvCxnSpPr>
+          <p:nvPr/>
+        </p:nvCxnSpPr>
+        <p:spPr>
+          <a:xfrm>
+            <a:off x="6021730" y="2306684"/>
+            <a:ext cx="762000" cy="459343"/>
+          </a:xfrm>
+          <a:prstGeom prst="straightConnector1">
+            <a:avLst/>
+          </a:prstGeom>
+          <a:ln w="38100">
+            <a:tailEnd type="triangle"/>
+          </a:ln>
+        </p:spPr>
+        <p:style>
+          <a:lnRef idx="1">
+            <a:schemeClr val="accent1"/>
+          </a:lnRef>
+          <a:fillRef idx="0">
+            <a:schemeClr val="accent1"/>
+          </a:fillRef>
+          <a:effectRef idx="0">
+            <a:schemeClr val="accent1"/>
+          </a:effectRef>
+          <a:fontRef idx="minor">
+            <a:schemeClr val="tx1"/>
+          </a:fontRef>
+        </p:style>
+      </p:cxnSp>
+      <p:cxnSp>
+        <p:nvCxnSpPr>
+          <p:cNvPr id="41" name="Straight Arrow Connector 40">
+            <a:extLst>
+              <a:ext uri="{FF2B5EF4-FFF2-40B4-BE49-F238E27FC236}">
+                <a16:creationId xmlns:a16="http://schemas.microsoft.com/office/drawing/2014/main" id="{591E2ACC-ECE8-564F-83FB-28FF77648887}"/>
+              </a:ext>
+            </a:extLst>
+          </p:cNvPr>
+          <p:cNvCxnSpPr>
+            <a:cxnSpLocks/>
+            <a:stCxn id="26" idx="2"/>
+            <a:endCxn id="18" idx="0"/>
+          </p:cNvCxnSpPr>
+          <p:nvPr/>
+        </p:nvCxnSpPr>
+        <p:spPr>
+          <a:xfrm flipH="1">
+            <a:off x="5747527" y="3197827"/>
+            <a:ext cx="1036203" cy="735613"/>
+          </a:xfrm>
+          <a:prstGeom prst="straightConnector1">
+            <a:avLst/>
+          </a:prstGeom>
+          <a:ln w="38100">
+            <a:tailEnd type="triangle"/>
+          </a:ln>
+        </p:spPr>
+        <p:style>
+          <a:lnRef idx="1">
+            <a:schemeClr val="accent1"/>
+          </a:lnRef>
+          <a:fillRef idx="0">
+            <a:schemeClr val="accent1"/>
+          </a:fillRef>
+          <a:effectRef idx="0">
+            <a:schemeClr val="accent1"/>
+          </a:effectRef>
+          <a:fontRef idx="minor">
+            <a:schemeClr val="tx1"/>
+          </a:fontRef>
+        </p:style>
+      </p:cxnSp>
+      <p:cxnSp>
+        <p:nvCxnSpPr>
+          <p:cNvPr id="44" name="Straight Arrow Connector 43">
+            <a:extLst>
+              <a:ext uri="{FF2B5EF4-FFF2-40B4-BE49-F238E27FC236}">
+                <a16:creationId xmlns:a16="http://schemas.microsoft.com/office/drawing/2014/main" id="{58D839BC-245D-394C-B723-37E57CB3FCC7}"/>
+              </a:ext>
+            </a:extLst>
+          </p:cNvPr>
+          <p:cNvCxnSpPr>
+            <a:cxnSpLocks/>
+            <a:stCxn id="18" idx="1"/>
+            <a:endCxn id="22" idx="3"/>
+          </p:cNvCxnSpPr>
+          <p:nvPr/>
+        </p:nvCxnSpPr>
+        <p:spPr>
+          <a:xfrm flipH="1" flipV="1">
+            <a:off x="3232927" y="3555670"/>
+            <a:ext cx="1003300" cy="593670"/>
+          </a:xfrm>
+          <a:prstGeom prst="straightConnector1">
+            <a:avLst/>
+          </a:prstGeom>
+          <a:ln w="38100">
+            <a:tailEnd type="triangle"/>
+          </a:ln>
+        </p:spPr>
+        <p:style>
+          <a:lnRef idx="1">
+            <a:schemeClr val="accent1"/>
+          </a:lnRef>
+          <a:fillRef idx="0">
+            <a:schemeClr val="accent1"/>
+          </a:fillRef>
+          <a:effectRef idx="0">
+            <a:schemeClr val="accent1"/>
+          </a:effectRef>
+          <a:fontRef idx="minor">
+            <a:schemeClr val="tx1"/>
+          </a:fontRef>
+        </p:style>
+      </p:cxnSp>
+      <p:cxnSp>
+        <p:nvCxnSpPr>
+          <p:cNvPr id="47" name="Straight Arrow Connector 46">
+            <a:extLst>
+              <a:ext uri="{FF2B5EF4-FFF2-40B4-BE49-F238E27FC236}">
+                <a16:creationId xmlns:a16="http://schemas.microsoft.com/office/drawing/2014/main" id="{C7CB68F3-FA46-AB4C-9AB2-D19ECDDE218D}"/>
+              </a:ext>
+            </a:extLst>
+          </p:cNvPr>
+          <p:cNvCxnSpPr>
+            <a:cxnSpLocks/>
+            <a:stCxn id="18" idx="2"/>
+            <a:endCxn id="10" idx="0"/>
+          </p:cNvCxnSpPr>
+          <p:nvPr/>
+        </p:nvCxnSpPr>
+        <p:spPr>
+          <a:xfrm flipH="1">
+            <a:off x="4236227" y="4365240"/>
+            <a:ext cx="1511300" cy="297342"/>
+          </a:xfrm>
+          <a:prstGeom prst="straightConnector1">
+            <a:avLst/>
+          </a:prstGeom>
+          <a:ln w="38100">
+            <a:tailEnd type="triangle"/>
+          </a:ln>
+        </p:spPr>
+        <p:style>
+          <a:lnRef idx="1">
+            <a:schemeClr val="accent1"/>
+          </a:lnRef>
+          <a:fillRef idx="0">
+            <a:schemeClr val="accent1"/>
+          </a:fillRef>
+          <a:effectRef idx="0">
+            <a:schemeClr val="accent1"/>
+          </a:effectRef>
+          <a:fontRef idx="minor">
+            <a:schemeClr val="tx1"/>
+          </a:fontRef>
+        </p:style>
+      </p:cxnSp>
+      <p:cxnSp>
+        <p:nvCxnSpPr>
+          <p:cNvPr id="50" name="Straight Arrow Connector 49">
+            <a:extLst>
+              <a:ext uri="{FF2B5EF4-FFF2-40B4-BE49-F238E27FC236}">
+                <a16:creationId xmlns:a16="http://schemas.microsoft.com/office/drawing/2014/main" id="{19B36CFB-5393-AC47-AA1A-38A5742FA2DD}"/>
+              </a:ext>
+            </a:extLst>
+          </p:cNvPr>
+          <p:cNvCxnSpPr>
+            <a:cxnSpLocks/>
+            <a:stCxn id="10" idx="2"/>
+            <a:endCxn id="24" idx="0"/>
+          </p:cNvCxnSpPr>
+          <p:nvPr/>
+        </p:nvCxnSpPr>
+        <p:spPr>
+          <a:xfrm flipH="1">
+            <a:off x="3874093" y="5068982"/>
+            <a:ext cx="362134" cy="669666"/>
+          </a:xfrm>
+          <a:prstGeom prst="straightConnector1">
+            <a:avLst/>
+          </a:prstGeom>
+          <a:ln w="38100">
+            <a:tailEnd type="triangle"/>
+          </a:ln>
+        </p:spPr>
+        <p:style>
+          <a:lnRef idx="1">
+            <a:schemeClr val="accent1"/>
+          </a:lnRef>
+          <a:fillRef idx="0">
+            <a:schemeClr val="accent1"/>
+          </a:fillRef>
+          <a:effectRef idx="0">
+            <a:schemeClr val="accent1"/>
+          </a:effectRef>
+          <a:fontRef idx="minor">
+            <a:schemeClr val="tx1"/>
+          </a:fontRef>
+        </p:style>
+      </p:cxnSp>
+      <p:pic>
+        <p:nvPicPr>
+          <p:cNvPr id="55" name="Picture 54" descr="Text&#10;&#10;Description automatically generated with medium confidence">
+            <a:extLst>
+              <a:ext uri="{FF2B5EF4-FFF2-40B4-BE49-F238E27FC236}">
+                <a16:creationId xmlns:a16="http://schemas.microsoft.com/office/drawing/2014/main" id="{429928A5-EA14-9545-B52F-6851503C7266}"/>
+              </a:ext>
+            </a:extLst>
+          </p:cNvPr>
+          <p:cNvPicPr>
+            <a:picLocks noChangeAspect="1"/>
+          </p:cNvPicPr>
+          <p:nvPr/>
+        </p:nvPicPr>
+        <p:blipFill>
+          <a:blip r:embed="rId13"/>
+          <a:stretch>
+            <a:fillRect/>
+          </a:stretch>
+        </p:blipFill>
+        <p:spPr>
+          <a:xfrm>
+            <a:off x="6783730" y="1488887"/>
+            <a:ext cx="2667000" cy="355600"/>
+          </a:xfrm>
+          <a:prstGeom prst="rect">
+            <a:avLst/>
+          </a:prstGeom>
+        </p:spPr>
+      </p:pic>
+      <p:cxnSp>
+        <p:nvCxnSpPr>
+          <p:cNvPr id="56" name="Straight Arrow Connector 55">
+            <a:extLst>
+              <a:ext uri="{FF2B5EF4-FFF2-40B4-BE49-F238E27FC236}">
+                <a16:creationId xmlns:a16="http://schemas.microsoft.com/office/drawing/2014/main" id="{D7F5C948-00D1-9E41-9E2C-7B8954E11F2C}"/>
+              </a:ext>
+            </a:extLst>
+          </p:cNvPr>
+          <p:cNvCxnSpPr>
+            <a:cxnSpLocks/>
+            <a:stCxn id="55" idx="2"/>
+            <a:endCxn id="16" idx="0"/>
+          </p:cNvCxnSpPr>
+          <p:nvPr/>
+        </p:nvCxnSpPr>
+        <p:spPr>
+          <a:xfrm flipH="1">
+            <a:off x="6021730" y="1844487"/>
+            <a:ext cx="2095500" cy="144697"/>
+          </a:xfrm>
+          <a:prstGeom prst="straightConnector1">
+            <a:avLst/>
+          </a:prstGeom>
+          <a:ln w="38100">
+            <a:tailEnd type="triangle"/>
+          </a:ln>
+        </p:spPr>
+        <p:style>
+          <a:lnRef idx="1">
+            <a:schemeClr val="accent1"/>
+          </a:lnRef>
+          <a:fillRef idx="0">
+            <a:schemeClr val="accent1"/>
+          </a:fillRef>
+          <a:effectRef idx="0">
+            <a:schemeClr val="accent1"/>
+          </a:effectRef>
+          <a:fontRef idx="minor">
+            <a:schemeClr val="tx1"/>
+          </a:fontRef>
+        </p:style>
+      </p:cxnSp>
+    </p:spTree>
+    <p:extLst>
+      <p:ext uri="{BB962C8B-B14F-4D97-AF65-F5344CB8AC3E}">
+        <p14:creationId xmlns:p14="http://schemas.microsoft.com/office/powerpoint/2010/main" val="203326324"/>
       </p:ext>
     </p:extLst>
   </p:cSld>
